--- a/Python Session/Python_9_may.pptx
+++ b/Python Session/Python_9_may.pptx
@@ -844,7 +844,7 @@
           <a:p>
             <a:fld id="{4301CC33-C1E3-43D5-954C-D3879CCC99B6}" type="datetimeFigureOut">
               <a:rPr lang="en-IN" smtClean="0"/>
-              <a:t>08-05-2022</a:t>
+              <a:t>09-05-2022</a:t>
             </a:fld>
             <a:endParaRPr lang="en-IN"/>
           </a:p>
@@ -1095,7 +1095,7 @@
           <a:p>
             <a:fld id="{4301CC33-C1E3-43D5-954C-D3879CCC99B6}" type="datetimeFigureOut">
               <a:rPr lang="en-IN" smtClean="0"/>
-              <a:t>08-05-2022</a:t>
+              <a:t>09-05-2022</a:t>
             </a:fld>
             <a:endParaRPr lang="en-IN"/>
           </a:p>
@@ -1409,7 +1409,7 @@
           <a:p>
             <a:fld id="{4301CC33-C1E3-43D5-954C-D3879CCC99B6}" type="datetimeFigureOut">
               <a:rPr lang="en-IN" smtClean="0"/>
-              <a:t>08-05-2022</a:t>
+              <a:t>09-05-2022</a:t>
             </a:fld>
             <a:endParaRPr lang="en-IN"/>
           </a:p>
@@ -1750,7 +1750,7 @@
           <a:p>
             <a:fld id="{4301CC33-C1E3-43D5-954C-D3879CCC99B6}" type="datetimeFigureOut">
               <a:rPr lang="en-IN" smtClean="0"/>
-              <a:t>08-05-2022</a:t>
+              <a:t>09-05-2022</a:t>
             </a:fld>
             <a:endParaRPr lang="en-IN"/>
           </a:p>
@@ -2064,7 +2064,7 @@
           <a:p>
             <a:fld id="{4301CC33-C1E3-43D5-954C-D3879CCC99B6}" type="datetimeFigureOut">
               <a:rPr lang="en-IN" smtClean="0"/>
-              <a:t>08-05-2022</a:t>
+              <a:t>09-05-2022</a:t>
             </a:fld>
             <a:endParaRPr lang="en-IN"/>
           </a:p>
@@ -2457,7 +2457,7 @@
           <a:p>
             <a:fld id="{4301CC33-C1E3-43D5-954C-D3879CCC99B6}" type="datetimeFigureOut">
               <a:rPr lang="en-IN" smtClean="0"/>
-              <a:t>08-05-2022</a:t>
+              <a:t>09-05-2022</a:t>
             </a:fld>
             <a:endParaRPr lang="en-IN"/>
           </a:p>
@@ -2627,7 +2627,7 @@
           <a:p>
             <a:fld id="{4301CC33-C1E3-43D5-954C-D3879CCC99B6}" type="datetimeFigureOut">
               <a:rPr lang="en-IN" smtClean="0"/>
-              <a:t>08-05-2022</a:t>
+              <a:t>09-05-2022</a:t>
             </a:fld>
             <a:endParaRPr lang="en-IN"/>
           </a:p>
@@ -2807,7 +2807,7 @@
           <a:p>
             <a:fld id="{4301CC33-C1E3-43D5-954C-D3879CCC99B6}" type="datetimeFigureOut">
               <a:rPr lang="en-IN" smtClean="0"/>
-              <a:t>08-05-2022</a:t>
+              <a:t>09-05-2022</a:t>
             </a:fld>
             <a:endParaRPr lang="en-IN"/>
           </a:p>
@@ -2983,7 +2983,7 @@
           <a:p>
             <a:fld id="{4301CC33-C1E3-43D5-954C-D3879CCC99B6}" type="datetimeFigureOut">
               <a:rPr lang="en-IN" smtClean="0"/>
-              <a:t>08-05-2022</a:t>
+              <a:t>09-05-2022</a:t>
             </a:fld>
             <a:endParaRPr lang="en-IN"/>
           </a:p>
@@ -3230,7 +3230,7 @@
           <a:p>
             <a:fld id="{4301CC33-C1E3-43D5-954C-D3879CCC99B6}" type="datetimeFigureOut">
               <a:rPr lang="en-IN" smtClean="0"/>
-              <a:t>08-05-2022</a:t>
+              <a:t>09-05-2022</a:t>
             </a:fld>
             <a:endParaRPr lang="en-IN"/>
           </a:p>
@@ -3462,7 +3462,7 @@
           <a:p>
             <a:fld id="{4301CC33-C1E3-43D5-954C-D3879CCC99B6}" type="datetimeFigureOut">
               <a:rPr lang="en-IN" smtClean="0"/>
-              <a:t>08-05-2022</a:t>
+              <a:t>09-05-2022</a:t>
             </a:fld>
             <a:endParaRPr lang="en-IN"/>
           </a:p>
@@ -3836,7 +3836,7 @@
           <a:p>
             <a:fld id="{4301CC33-C1E3-43D5-954C-D3879CCC99B6}" type="datetimeFigureOut">
               <a:rPr lang="en-IN" smtClean="0"/>
-              <a:t>08-05-2022</a:t>
+              <a:t>09-05-2022</a:t>
             </a:fld>
             <a:endParaRPr lang="en-IN"/>
           </a:p>
@@ -3959,7 +3959,7 @@
           <a:p>
             <a:fld id="{4301CC33-C1E3-43D5-954C-D3879CCC99B6}" type="datetimeFigureOut">
               <a:rPr lang="en-IN" smtClean="0"/>
-              <a:t>08-05-2022</a:t>
+              <a:t>09-05-2022</a:t>
             </a:fld>
             <a:endParaRPr lang="en-IN"/>
           </a:p>
@@ -4054,7 +4054,7 @@
           <a:p>
             <a:fld id="{4301CC33-C1E3-43D5-954C-D3879CCC99B6}" type="datetimeFigureOut">
               <a:rPr lang="en-IN" smtClean="0"/>
-              <a:t>08-05-2022</a:t>
+              <a:t>09-05-2022</a:t>
             </a:fld>
             <a:endParaRPr lang="en-IN"/>
           </a:p>
@@ -4309,7 +4309,7 @@
           <a:p>
             <a:fld id="{4301CC33-C1E3-43D5-954C-D3879CCC99B6}" type="datetimeFigureOut">
               <a:rPr lang="en-IN" smtClean="0"/>
-              <a:t>08-05-2022</a:t>
+              <a:t>09-05-2022</a:t>
             </a:fld>
             <a:endParaRPr lang="en-IN"/>
           </a:p>
@@ -4572,7 +4572,7 @@
           <a:p>
             <a:fld id="{4301CC33-C1E3-43D5-954C-D3879CCC99B6}" type="datetimeFigureOut">
               <a:rPr lang="en-IN" smtClean="0"/>
-              <a:t>08-05-2022</a:t>
+              <a:t>09-05-2022</a:t>
             </a:fld>
             <a:endParaRPr lang="en-IN"/>
           </a:p>
@@ -5315,7 +5315,7 @@
           <a:p>
             <a:fld id="{4301CC33-C1E3-43D5-954C-D3879CCC99B6}" type="datetimeFigureOut">
               <a:rPr lang="en-IN" smtClean="0"/>
-              <a:t>08-05-2022</a:t>
+              <a:t>09-05-2022</a:t>
             </a:fld>
             <a:endParaRPr lang="en-IN"/>
           </a:p>
@@ -7173,13 +7173,6 @@
               </a:rPr>
               <a:t>ahul </a:t>
             </a:r>
-            <a:endParaRPr lang="en-US" sz="1800" dirty="0" smtClean="0">
-              <a:solidFill>
-                <a:schemeClr val="accent1">
-                  <a:lumMod val="50000"/>
-                </a:schemeClr>
-              </a:solidFill>
-            </a:endParaRPr>
           </a:p>
           <a:p>
             <a:pPr algn="l"/>
@@ -8176,13 +8169,8 @@
             </a:pPr>
             <a:r>
               <a:rPr lang="en-US" sz="1800" cap="none" dirty="0" smtClean="0"/>
-              <a:t>An identifier is a name given to entities like class, functions, variables, </a:t>
-            </a:r>
-            <a:r>
-              <a:rPr lang="en-US" sz="1800" cap="none" dirty="0" smtClean="0"/>
-              <a:t>etc.</a:t>
-            </a:r>
-            <a:endParaRPr lang="en-US" sz="1800" cap="none" dirty="0" smtClean="0"/>
+              <a:t>An identifier is a name given to entities like class, functions, variables, etc.</a:t>
+            </a:r>
           </a:p>
           <a:p>
             <a:pPr marL="285750" indent="-285750" algn="l">
@@ -8359,15 +8347,27 @@
             </a:r>
             <a:r>
               <a:rPr lang="en-US" sz="1800" cap="none" dirty="0" smtClean="0"/>
-              <a:t> and </a:t>
-            </a:r>
-            <a:r>
-              <a:rPr lang="en-US" sz="1800" b="1" cap="none" dirty="0" smtClean="0"/>
-              <a:t>person</a:t>
+              <a:t> </a:t>
+            </a:r>
+            <a:r>
+              <a:rPr lang="en-US" sz="1800" cap="none" smtClean="0"/>
+              <a:t>and </a:t>
+            </a:r>
+            <a:r>
+              <a:rPr lang="en-US" b="1" dirty="0"/>
+              <a:t>P</a:t>
+            </a:r>
+            <a:r>
+              <a:rPr lang="en-US" sz="1800" b="1" cap="none" smtClean="0"/>
+              <a:t>erson</a:t>
+            </a:r>
+            <a:r>
+              <a:rPr lang="en-US" sz="1800" cap="none" smtClean="0"/>
+              <a:t> </a:t>
             </a:r>
             <a:r>
               <a:rPr lang="en-US" sz="1800" cap="none" dirty="0" smtClean="0"/>
-              <a:t> are not the same.</a:t>
+              <a:t>are not the same.</a:t>
             </a:r>
           </a:p>
           <a:p>
@@ -9417,15 +9417,7 @@
             <a:pPr algn="l"/>
             <a:r>
               <a:rPr lang="en-US" sz="1800" cap="none" dirty="0" smtClean="0"/>
-              <a:t>Note: python is a type-inferred language, so you don't have to explicitly define the variable type. It automatically knows that </a:t>
-            </a:r>
-            <a:r>
-              <a:rPr lang="en-US" sz="1800" cap="none" dirty="0" smtClean="0"/>
-              <a:t>apple.com </a:t>
-            </a:r>
-            <a:r>
-              <a:rPr lang="en-US" sz="1800" cap="none" dirty="0" smtClean="0"/>
-              <a:t>is a string and declares the website variable as a string.</a:t>
+              <a:t>Note: python is a type-inferred language, so you don't have to explicitly define the variable type. It automatically knows that apple.com is a string and declares the website variable as a string.</a:t>
             </a:r>
           </a:p>
           <a:p>
